--- a/FMUHOF3/FreelancerMeetup3.pptx
+++ b/FMUHOF3/FreelancerMeetup3.pptx
@@ -1166,7 +1166,7 @@
           <a:p>
             <a:fld id="{663DFD0A-6E83-504F-B698-05F08260E1AD}" type="datetimeFigureOut">
               <a:rPr lang="en-US" smtClean="0"/>
-              <a:t>8/20/20</a:t>
+              <a:t>8/21/20</a:t>
             </a:fld>
             <a:endParaRPr lang="en-US"/>
           </a:p>
@@ -3078,7 +3078,7 @@
           <a:p>
             <a:fld id="{22C97121-CB25-1840-AD3A-78A1E1BF9AA7}" type="datetimeFigureOut">
               <a:rPr lang="en-US" smtClean="0"/>
-              <a:t>8/20/20</a:t>
+              <a:t>8/21/20</a:t>
             </a:fld>
             <a:endParaRPr lang="en-US"/>
           </a:p>
@@ -3278,7 +3278,7 @@
           <a:p>
             <a:fld id="{22C97121-CB25-1840-AD3A-78A1E1BF9AA7}" type="datetimeFigureOut">
               <a:rPr lang="en-US" smtClean="0"/>
-              <a:t>8/20/20</a:t>
+              <a:t>8/21/20</a:t>
             </a:fld>
             <a:endParaRPr lang="en-US"/>
           </a:p>
@@ -3488,7 +3488,7 @@
           <a:p>
             <a:fld id="{22C97121-CB25-1840-AD3A-78A1E1BF9AA7}" type="datetimeFigureOut">
               <a:rPr lang="en-US" smtClean="0"/>
-              <a:t>8/20/20</a:t>
+              <a:t>8/21/20</a:t>
             </a:fld>
             <a:endParaRPr lang="en-US"/>
           </a:p>
@@ -3688,7 +3688,7 @@
           <a:p>
             <a:fld id="{22C97121-CB25-1840-AD3A-78A1E1BF9AA7}" type="datetimeFigureOut">
               <a:rPr lang="en-US" smtClean="0"/>
-              <a:t>8/20/20</a:t>
+              <a:t>8/21/20</a:t>
             </a:fld>
             <a:endParaRPr lang="en-US"/>
           </a:p>
@@ -3964,7 +3964,7 @@
           <a:p>
             <a:fld id="{22C97121-CB25-1840-AD3A-78A1E1BF9AA7}" type="datetimeFigureOut">
               <a:rPr lang="en-US" smtClean="0"/>
-              <a:t>8/20/20</a:t>
+              <a:t>8/21/20</a:t>
             </a:fld>
             <a:endParaRPr lang="en-US"/>
           </a:p>
@@ -4232,7 +4232,7 @@
           <a:p>
             <a:fld id="{22C97121-CB25-1840-AD3A-78A1E1BF9AA7}" type="datetimeFigureOut">
               <a:rPr lang="en-US" smtClean="0"/>
-              <a:t>8/20/20</a:t>
+              <a:t>8/21/20</a:t>
             </a:fld>
             <a:endParaRPr lang="en-US"/>
           </a:p>
@@ -4647,7 +4647,7 @@
           <a:p>
             <a:fld id="{22C97121-CB25-1840-AD3A-78A1E1BF9AA7}" type="datetimeFigureOut">
               <a:rPr lang="en-US" smtClean="0"/>
-              <a:t>8/20/20</a:t>
+              <a:t>8/21/20</a:t>
             </a:fld>
             <a:endParaRPr lang="en-US"/>
           </a:p>
@@ -4789,7 +4789,7 @@
           <a:p>
             <a:fld id="{22C97121-CB25-1840-AD3A-78A1E1BF9AA7}" type="datetimeFigureOut">
               <a:rPr lang="en-US" smtClean="0"/>
-              <a:t>8/20/20</a:t>
+              <a:t>8/21/20</a:t>
             </a:fld>
             <a:endParaRPr lang="en-US"/>
           </a:p>
@@ -4902,7 +4902,7 @@
           <a:p>
             <a:fld id="{22C97121-CB25-1840-AD3A-78A1E1BF9AA7}" type="datetimeFigureOut">
               <a:rPr lang="en-US" smtClean="0"/>
-              <a:t>8/20/20</a:t>
+              <a:t>8/21/20</a:t>
             </a:fld>
             <a:endParaRPr lang="en-US"/>
           </a:p>
@@ -5215,7 +5215,7 @@
           <a:p>
             <a:fld id="{22C97121-CB25-1840-AD3A-78A1E1BF9AA7}" type="datetimeFigureOut">
               <a:rPr lang="en-US" smtClean="0"/>
-              <a:t>8/20/20</a:t>
+              <a:t>8/21/20</a:t>
             </a:fld>
             <a:endParaRPr lang="en-US"/>
           </a:p>
@@ -5504,7 +5504,7 @@
           <a:p>
             <a:fld id="{22C97121-CB25-1840-AD3A-78A1E1BF9AA7}" type="datetimeFigureOut">
               <a:rPr lang="en-US" smtClean="0"/>
-              <a:t>8/20/20</a:t>
+              <a:t>8/21/20</a:t>
             </a:fld>
             <a:endParaRPr lang="en-US"/>
           </a:p>
@@ -5747,7 +5747,7 @@
           <a:p>
             <a:fld id="{22C97121-CB25-1840-AD3A-78A1E1BF9AA7}" type="datetimeFigureOut">
               <a:rPr lang="en-US" smtClean="0"/>
-              <a:t>8/20/20</a:t>
+              <a:t>8/21/20</a:t>
             </a:fld>
             <a:endParaRPr lang="en-US"/>
           </a:p>
@@ -10650,12 +10650,8 @@
                 <a:t>Passwort</a:t>
               </a:r>
               <a:r>
-                <a:rPr lang="en-US" sz="3600" dirty="0"/>
-                <a:t>: </a:t>
-              </a:r>
-              <a:r>
-                <a:rPr lang="en-US" sz="3600" b="1" dirty="0" err="1"/>
-                <a:t>fmuhof</a:t>
+                <a:rPr lang="en-US" sz="3600"/>
+                <a:t>:</a:t>
               </a:r>
               <a:endParaRPr lang="de-DE" sz="3600" b="1" dirty="0" err="1"/>
             </a:p>
